--- a/ppt 16-9/1487.求主光照.pptx
+++ b/ppt 16-9/1487.求主光照.pptx
@@ -129,7 +129,7 @@
           <p:cNvPr id="2" name="标题 1">
             <a:extLst>
               <a:ext uri="{FF2B5EF4-FFF2-40B4-BE49-F238E27FC236}">
-                <a16:creationId xmlns:a16="http://schemas.microsoft.com/office/drawing/2014/main" id="{0A662807-C323-9FE9-F16E-09408C181F92}"/>
+                <a16:creationId xmlns:a16="http://schemas.microsoft.com/office/drawing/2014/main" id="{9D69101B-9CD2-F691-7477-67D09592CE26}"/>
               </a:ext>
             </a:extLst>
           </p:cNvPr>
@@ -166,7 +166,7 @@
           <p:cNvPr id="3" name="副标题 2">
             <a:extLst>
               <a:ext uri="{FF2B5EF4-FFF2-40B4-BE49-F238E27FC236}">
-                <a16:creationId xmlns:a16="http://schemas.microsoft.com/office/drawing/2014/main" id="{A5F0370E-119C-C15B-CACD-F0DEB6AB67FE}"/>
+                <a16:creationId xmlns:a16="http://schemas.microsoft.com/office/drawing/2014/main" id="{C224DF0C-56A2-2A9A-83DD-5BFA6ACA8E27}"/>
               </a:ext>
             </a:extLst>
           </p:cNvPr>
@@ -236,7 +236,7 @@
           <p:cNvPr id="4" name="日期占位符 3">
             <a:extLst>
               <a:ext uri="{FF2B5EF4-FFF2-40B4-BE49-F238E27FC236}">
-                <a16:creationId xmlns:a16="http://schemas.microsoft.com/office/drawing/2014/main" id="{02BF4C3C-770A-21A3-9BF3-C436F9AAFB3D}"/>
+                <a16:creationId xmlns:a16="http://schemas.microsoft.com/office/drawing/2014/main" id="{EC635ED7-BB0E-5708-9006-9EA4A4A7F472}"/>
               </a:ext>
             </a:extLst>
           </p:cNvPr>
@@ -252,7 +252,7 @@
           <a:bodyPr/>
           <a:lstStyle/>
           <a:p>
-            <a:fld id="{B9218CD0-669E-4EE0-9C3D-E5890B13C100}" type="datetimeFigureOut">
+            <a:fld id="{96154922-057B-4E55-A28A-D8C16EBA8A92}" type="datetimeFigureOut">
               <a:rPr lang="zh-CN" altLang="en-US" smtClean="0"/>
               <a:t>2024/3/10</a:t>
             </a:fld>
@@ -265,7 +265,7 @@
           <p:cNvPr id="5" name="页脚占位符 4">
             <a:extLst>
               <a:ext uri="{FF2B5EF4-FFF2-40B4-BE49-F238E27FC236}">
-                <a16:creationId xmlns:a16="http://schemas.microsoft.com/office/drawing/2014/main" id="{563B9F59-73CB-ACF9-ED87-BC772EC59C75}"/>
+                <a16:creationId xmlns:a16="http://schemas.microsoft.com/office/drawing/2014/main" id="{E19F3F3E-CBC1-0B91-C425-25474369D395}"/>
               </a:ext>
             </a:extLst>
           </p:cNvPr>
@@ -290,7 +290,7 @@
           <p:cNvPr id="6" name="灯片编号占位符 5">
             <a:extLst>
               <a:ext uri="{FF2B5EF4-FFF2-40B4-BE49-F238E27FC236}">
-                <a16:creationId xmlns:a16="http://schemas.microsoft.com/office/drawing/2014/main" id="{44A4CFD7-A33F-8EB3-98E4-2B8EA949D603}"/>
+                <a16:creationId xmlns:a16="http://schemas.microsoft.com/office/drawing/2014/main" id="{4FCA2781-4402-8114-5893-10B5DD9EAEE9}"/>
               </a:ext>
             </a:extLst>
           </p:cNvPr>
@@ -306,7 +306,7 @@
           <a:bodyPr/>
           <a:lstStyle/>
           <a:p>
-            <a:fld id="{43CFB904-6735-429B-9731-33B21B7E33A4}" type="slidenum">
+            <a:fld id="{8F2BEC50-2532-433A-ADB8-41BC40C11CDF}" type="slidenum">
               <a:rPr lang="zh-CN" altLang="en-US" smtClean="0"/>
               <a:t>‹#›</a:t>
             </a:fld>
@@ -317,7 +317,7 @@
     </p:spTree>
     <p:extLst>
       <p:ext uri="{BB962C8B-B14F-4D97-AF65-F5344CB8AC3E}">
-        <p14:creationId xmlns:p14="http://schemas.microsoft.com/office/powerpoint/2010/main" val="724447223"/>
+        <p14:creationId xmlns:p14="http://schemas.microsoft.com/office/powerpoint/2010/main" val="1082976448"/>
       </p:ext>
     </p:extLst>
   </p:cSld>
@@ -349,7 +349,7 @@
           <p:cNvPr id="2" name="标题 1">
             <a:extLst>
               <a:ext uri="{FF2B5EF4-FFF2-40B4-BE49-F238E27FC236}">
-                <a16:creationId xmlns:a16="http://schemas.microsoft.com/office/drawing/2014/main" id="{798EF6CB-3C8E-7085-B74C-758629F221B7}"/>
+                <a16:creationId xmlns:a16="http://schemas.microsoft.com/office/drawing/2014/main" id="{C0F40DE2-90DE-B042-4AC8-2C707B153CCC}"/>
               </a:ext>
             </a:extLst>
           </p:cNvPr>
@@ -377,7 +377,7 @@
           <p:cNvPr id="3" name="竖排文字占位符 2">
             <a:extLst>
               <a:ext uri="{FF2B5EF4-FFF2-40B4-BE49-F238E27FC236}">
-                <a16:creationId xmlns:a16="http://schemas.microsoft.com/office/drawing/2014/main" id="{D6E59235-359F-F774-F902-A2347A9BDD6D}"/>
+                <a16:creationId xmlns:a16="http://schemas.microsoft.com/office/drawing/2014/main" id="{EE587A38-4964-552C-1729-06659932CDB8}"/>
               </a:ext>
             </a:extLst>
           </p:cNvPr>
@@ -434,7 +434,7 @@
           <p:cNvPr id="4" name="日期占位符 3">
             <a:extLst>
               <a:ext uri="{FF2B5EF4-FFF2-40B4-BE49-F238E27FC236}">
-                <a16:creationId xmlns:a16="http://schemas.microsoft.com/office/drawing/2014/main" id="{34F80068-F7A9-4714-4809-C7DC0D263CA0}"/>
+                <a16:creationId xmlns:a16="http://schemas.microsoft.com/office/drawing/2014/main" id="{CC05E79E-39D3-CF22-CA3D-BBB3F9168289}"/>
               </a:ext>
             </a:extLst>
           </p:cNvPr>
@@ -450,7 +450,7 @@
           <a:bodyPr/>
           <a:lstStyle/>
           <a:p>
-            <a:fld id="{B9218CD0-669E-4EE0-9C3D-E5890B13C100}" type="datetimeFigureOut">
+            <a:fld id="{96154922-057B-4E55-A28A-D8C16EBA8A92}" type="datetimeFigureOut">
               <a:rPr lang="zh-CN" altLang="en-US" smtClean="0"/>
               <a:t>2024/3/10</a:t>
             </a:fld>
@@ -463,7 +463,7 @@
           <p:cNvPr id="5" name="页脚占位符 4">
             <a:extLst>
               <a:ext uri="{FF2B5EF4-FFF2-40B4-BE49-F238E27FC236}">
-                <a16:creationId xmlns:a16="http://schemas.microsoft.com/office/drawing/2014/main" id="{C147DF98-D8C6-412E-9925-66CB449968E1}"/>
+                <a16:creationId xmlns:a16="http://schemas.microsoft.com/office/drawing/2014/main" id="{96D73650-B5DC-BE44-B8D0-912895A37BD3}"/>
               </a:ext>
             </a:extLst>
           </p:cNvPr>
@@ -488,7 +488,7 @@
           <p:cNvPr id="6" name="灯片编号占位符 5">
             <a:extLst>
               <a:ext uri="{FF2B5EF4-FFF2-40B4-BE49-F238E27FC236}">
-                <a16:creationId xmlns:a16="http://schemas.microsoft.com/office/drawing/2014/main" id="{F6414FC7-84FA-F8A8-F5E4-0439FD015586}"/>
+                <a16:creationId xmlns:a16="http://schemas.microsoft.com/office/drawing/2014/main" id="{F25A641E-A542-3E5E-8776-69C96884469B}"/>
               </a:ext>
             </a:extLst>
           </p:cNvPr>
@@ -504,7 +504,7 @@
           <a:bodyPr/>
           <a:lstStyle/>
           <a:p>
-            <a:fld id="{43CFB904-6735-429B-9731-33B21B7E33A4}" type="slidenum">
+            <a:fld id="{8F2BEC50-2532-433A-ADB8-41BC40C11CDF}" type="slidenum">
               <a:rPr lang="zh-CN" altLang="en-US" smtClean="0"/>
               <a:t>‹#›</a:t>
             </a:fld>
@@ -515,7 +515,7 @@
     </p:spTree>
     <p:extLst>
       <p:ext uri="{BB962C8B-B14F-4D97-AF65-F5344CB8AC3E}">
-        <p14:creationId xmlns:p14="http://schemas.microsoft.com/office/powerpoint/2010/main" val="2361977964"/>
+        <p14:creationId xmlns:p14="http://schemas.microsoft.com/office/powerpoint/2010/main" val="423374820"/>
       </p:ext>
     </p:extLst>
   </p:cSld>
@@ -547,7 +547,7 @@
           <p:cNvPr id="2" name="竖排标题 1">
             <a:extLst>
               <a:ext uri="{FF2B5EF4-FFF2-40B4-BE49-F238E27FC236}">
-                <a16:creationId xmlns:a16="http://schemas.microsoft.com/office/drawing/2014/main" id="{1FC568FB-81A4-9FCC-0F68-9A58B4B5F818}"/>
+                <a16:creationId xmlns:a16="http://schemas.microsoft.com/office/drawing/2014/main" id="{FD81BE78-61BF-6F59-6F5F-DF5ACD30E174}"/>
               </a:ext>
             </a:extLst>
           </p:cNvPr>
@@ -580,7 +580,7 @@
           <p:cNvPr id="3" name="竖排文字占位符 2">
             <a:extLst>
               <a:ext uri="{FF2B5EF4-FFF2-40B4-BE49-F238E27FC236}">
-                <a16:creationId xmlns:a16="http://schemas.microsoft.com/office/drawing/2014/main" id="{36D7423C-8CD3-EE14-EE85-4BD03FA00512}"/>
+                <a16:creationId xmlns:a16="http://schemas.microsoft.com/office/drawing/2014/main" id="{8CE00663-EA01-0BE2-C97C-494B738954B3}"/>
               </a:ext>
             </a:extLst>
           </p:cNvPr>
@@ -642,7 +642,7 @@
           <p:cNvPr id="4" name="日期占位符 3">
             <a:extLst>
               <a:ext uri="{FF2B5EF4-FFF2-40B4-BE49-F238E27FC236}">
-                <a16:creationId xmlns:a16="http://schemas.microsoft.com/office/drawing/2014/main" id="{84E1CA5D-A0A4-7A13-1DBE-9E81B42E923E}"/>
+                <a16:creationId xmlns:a16="http://schemas.microsoft.com/office/drawing/2014/main" id="{906E9EE9-F8BB-2329-04CA-8657C7FA2CEA}"/>
               </a:ext>
             </a:extLst>
           </p:cNvPr>
@@ -658,7 +658,7 @@
           <a:bodyPr/>
           <a:lstStyle/>
           <a:p>
-            <a:fld id="{B9218CD0-669E-4EE0-9C3D-E5890B13C100}" type="datetimeFigureOut">
+            <a:fld id="{96154922-057B-4E55-A28A-D8C16EBA8A92}" type="datetimeFigureOut">
               <a:rPr lang="zh-CN" altLang="en-US" smtClean="0"/>
               <a:t>2024/3/10</a:t>
             </a:fld>
@@ -671,7 +671,7 @@
           <p:cNvPr id="5" name="页脚占位符 4">
             <a:extLst>
               <a:ext uri="{FF2B5EF4-FFF2-40B4-BE49-F238E27FC236}">
-                <a16:creationId xmlns:a16="http://schemas.microsoft.com/office/drawing/2014/main" id="{6BA459D0-6CCF-803E-9345-C920F5620B5D}"/>
+                <a16:creationId xmlns:a16="http://schemas.microsoft.com/office/drawing/2014/main" id="{717591F8-590E-D507-F0F1-CB1D6899DBEB}"/>
               </a:ext>
             </a:extLst>
           </p:cNvPr>
@@ -696,7 +696,7 @@
           <p:cNvPr id="6" name="灯片编号占位符 5">
             <a:extLst>
               <a:ext uri="{FF2B5EF4-FFF2-40B4-BE49-F238E27FC236}">
-                <a16:creationId xmlns:a16="http://schemas.microsoft.com/office/drawing/2014/main" id="{53A85F00-93FD-0BE4-146A-413EA137D002}"/>
+                <a16:creationId xmlns:a16="http://schemas.microsoft.com/office/drawing/2014/main" id="{87A9D303-8420-B0E0-C3AC-B84C2B3B6AD0}"/>
               </a:ext>
             </a:extLst>
           </p:cNvPr>
@@ -712,7 +712,7 @@
           <a:bodyPr/>
           <a:lstStyle/>
           <a:p>
-            <a:fld id="{43CFB904-6735-429B-9731-33B21B7E33A4}" type="slidenum">
+            <a:fld id="{8F2BEC50-2532-433A-ADB8-41BC40C11CDF}" type="slidenum">
               <a:rPr lang="zh-CN" altLang="en-US" smtClean="0"/>
               <a:t>‹#›</a:t>
             </a:fld>
@@ -723,7 +723,7 @@
     </p:spTree>
     <p:extLst>
       <p:ext uri="{BB962C8B-B14F-4D97-AF65-F5344CB8AC3E}">
-        <p14:creationId xmlns:p14="http://schemas.microsoft.com/office/powerpoint/2010/main" val="2812759253"/>
+        <p14:creationId xmlns:p14="http://schemas.microsoft.com/office/powerpoint/2010/main" val="321631358"/>
       </p:ext>
     </p:extLst>
   </p:cSld>
@@ -755,7 +755,7 @@
           <p:cNvPr id="2" name="标题 1">
             <a:extLst>
               <a:ext uri="{FF2B5EF4-FFF2-40B4-BE49-F238E27FC236}">
-                <a16:creationId xmlns:a16="http://schemas.microsoft.com/office/drawing/2014/main" id="{E2AF873E-1BB1-C3A5-CA57-BC37C6F78C8A}"/>
+                <a16:creationId xmlns:a16="http://schemas.microsoft.com/office/drawing/2014/main" id="{07827478-5FDF-496A-A88F-C9230A78A617}"/>
               </a:ext>
             </a:extLst>
           </p:cNvPr>
@@ -783,7 +783,7 @@
           <p:cNvPr id="3" name="内容占位符 2">
             <a:extLst>
               <a:ext uri="{FF2B5EF4-FFF2-40B4-BE49-F238E27FC236}">
-                <a16:creationId xmlns:a16="http://schemas.microsoft.com/office/drawing/2014/main" id="{D4C5A177-F233-0DE7-16C1-52877FCA1FAF}"/>
+                <a16:creationId xmlns:a16="http://schemas.microsoft.com/office/drawing/2014/main" id="{E48D8D7E-91EC-5F95-A7CE-6C82A39D60EA}"/>
               </a:ext>
             </a:extLst>
           </p:cNvPr>
@@ -840,7 +840,7 @@
           <p:cNvPr id="4" name="日期占位符 3">
             <a:extLst>
               <a:ext uri="{FF2B5EF4-FFF2-40B4-BE49-F238E27FC236}">
-                <a16:creationId xmlns:a16="http://schemas.microsoft.com/office/drawing/2014/main" id="{98A159A6-9479-AA9C-0891-4AFF030A0FEF}"/>
+                <a16:creationId xmlns:a16="http://schemas.microsoft.com/office/drawing/2014/main" id="{61E9D1E5-12BA-DD5B-CF69-171E599829FA}"/>
               </a:ext>
             </a:extLst>
           </p:cNvPr>
@@ -856,7 +856,7 @@
           <a:bodyPr/>
           <a:lstStyle/>
           <a:p>
-            <a:fld id="{B9218CD0-669E-4EE0-9C3D-E5890B13C100}" type="datetimeFigureOut">
+            <a:fld id="{96154922-057B-4E55-A28A-D8C16EBA8A92}" type="datetimeFigureOut">
               <a:rPr lang="zh-CN" altLang="en-US" smtClean="0"/>
               <a:t>2024/3/10</a:t>
             </a:fld>
@@ -869,7 +869,7 @@
           <p:cNvPr id="5" name="页脚占位符 4">
             <a:extLst>
               <a:ext uri="{FF2B5EF4-FFF2-40B4-BE49-F238E27FC236}">
-                <a16:creationId xmlns:a16="http://schemas.microsoft.com/office/drawing/2014/main" id="{6E349DA7-0A86-546C-7900-F731BDEFFF7D}"/>
+                <a16:creationId xmlns:a16="http://schemas.microsoft.com/office/drawing/2014/main" id="{27D92FF0-636E-C1A2-CE55-9BD2E14FCABF}"/>
               </a:ext>
             </a:extLst>
           </p:cNvPr>
@@ -894,7 +894,7 @@
           <p:cNvPr id="6" name="灯片编号占位符 5">
             <a:extLst>
               <a:ext uri="{FF2B5EF4-FFF2-40B4-BE49-F238E27FC236}">
-                <a16:creationId xmlns:a16="http://schemas.microsoft.com/office/drawing/2014/main" id="{9D574F75-393C-2A71-8B43-90F93AE85F30}"/>
+                <a16:creationId xmlns:a16="http://schemas.microsoft.com/office/drawing/2014/main" id="{5BBA4681-4F63-A652-DF0B-81189BFD6525}"/>
               </a:ext>
             </a:extLst>
           </p:cNvPr>
@@ -910,7 +910,7 @@
           <a:bodyPr/>
           <a:lstStyle/>
           <a:p>
-            <a:fld id="{43CFB904-6735-429B-9731-33B21B7E33A4}" type="slidenum">
+            <a:fld id="{8F2BEC50-2532-433A-ADB8-41BC40C11CDF}" type="slidenum">
               <a:rPr lang="zh-CN" altLang="en-US" smtClean="0"/>
               <a:t>‹#›</a:t>
             </a:fld>
@@ -921,7 +921,7 @@
     </p:spTree>
     <p:extLst>
       <p:ext uri="{BB962C8B-B14F-4D97-AF65-F5344CB8AC3E}">
-        <p14:creationId xmlns:p14="http://schemas.microsoft.com/office/powerpoint/2010/main" val="3400343019"/>
+        <p14:creationId xmlns:p14="http://schemas.microsoft.com/office/powerpoint/2010/main" val="2810033145"/>
       </p:ext>
     </p:extLst>
   </p:cSld>
@@ -953,7 +953,7 @@
           <p:cNvPr id="2" name="标题 1">
             <a:extLst>
               <a:ext uri="{FF2B5EF4-FFF2-40B4-BE49-F238E27FC236}">
-                <a16:creationId xmlns:a16="http://schemas.microsoft.com/office/drawing/2014/main" id="{63EC75D9-5A99-3810-EBF6-949C0FC4D1C1}"/>
+                <a16:creationId xmlns:a16="http://schemas.microsoft.com/office/drawing/2014/main" id="{48C3D320-AC12-0020-943B-B3A4DB567538}"/>
               </a:ext>
             </a:extLst>
           </p:cNvPr>
@@ -990,7 +990,7 @@
           <p:cNvPr id="3" name="文本占位符 2">
             <a:extLst>
               <a:ext uri="{FF2B5EF4-FFF2-40B4-BE49-F238E27FC236}">
-                <a16:creationId xmlns:a16="http://schemas.microsoft.com/office/drawing/2014/main" id="{52308821-1514-1123-BED4-40DC966F15B4}"/>
+                <a16:creationId xmlns:a16="http://schemas.microsoft.com/office/drawing/2014/main" id="{E36E59B8-CBA0-2BE4-AA5E-FDF990ECE984}"/>
               </a:ext>
             </a:extLst>
           </p:cNvPr>
@@ -1115,7 +1115,7 @@
           <p:cNvPr id="4" name="日期占位符 3">
             <a:extLst>
               <a:ext uri="{FF2B5EF4-FFF2-40B4-BE49-F238E27FC236}">
-                <a16:creationId xmlns:a16="http://schemas.microsoft.com/office/drawing/2014/main" id="{FC8B983F-C178-0622-C24E-7BCFB1737452}"/>
+                <a16:creationId xmlns:a16="http://schemas.microsoft.com/office/drawing/2014/main" id="{A52E25F8-7D0F-F7E2-23B4-9200FBF4881E}"/>
               </a:ext>
             </a:extLst>
           </p:cNvPr>
@@ -1131,7 +1131,7 @@
           <a:bodyPr/>
           <a:lstStyle/>
           <a:p>
-            <a:fld id="{B9218CD0-669E-4EE0-9C3D-E5890B13C100}" type="datetimeFigureOut">
+            <a:fld id="{96154922-057B-4E55-A28A-D8C16EBA8A92}" type="datetimeFigureOut">
               <a:rPr lang="zh-CN" altLang="en-US" smtClean="0"/>
               <a:t>2024/3/10</a:t>
             </a:fld>
@@ -1144,7 +1144,7 @@
           <p:cNvPr id="5" name="页脚占位符 4">
             <a:extLst>
               <a:ext uri="{FF2B5EF4-FFF2-40B4-BE49-F238E27FC236}">
-                <a16:creationId xmlns:a16="http://schemas.microsoft.com/office/drawing/2014/main" id="{880C0360-F6DF-5D2D-B946-49C69E204296}"/>
+                <a16:creationId xmlns:a16="http://schemas.microsoft.com/office/drawing/2014/main" id="{35DE6BF3-405C-8784-CF7B-89F01CC539C4}"/>
               </a:ext>
             </a:extLst>
           </p:cNvPr>
@@ -1169,7 +1169,7 @@
           <p:cNvPr id="6" name="灯片编号占位符 5">
             <a:extLst>
               <a:ext uri="{FF2B5EF4-FFF2-40B4-BE49-F238E27FC236}">
-                <a16:creationId xmlns:a16="http://schemas.microsoft.com/office/drawing/2014/main" id="{2A98793F-1D03-B796-D437-E3E21AF9D56B}"/>
+                <a16:creationId xmlns:a16="http://schemas.microsoft.com/office/drawing/2014/main" id="{5B399234-5E3F-5884-2BAD-256F456E279F}"/>
               </a:ext>
             </a:extLst>
           </p:cNvPr>
@@ -1185,7 +1185,7 @@
           <a:bodyPr/>
           <a:lstStyle/>
           <a:p>
-            <a:fld id="{43CFB904-6735-429B-9731-33B21B7E33A4}" type="slidenum">
+            <a:fld id="{8F2BEC50-2532-433A-ADB8-41BC40C11CDF}" type="slidenum">
               <a:rPr lang="zh-CN" altLang="en-US" smtClean="0"/>
               <a:t>‹#›</a:t>
             </a:fld>
@@ -1196,7 +1196,7 @@
     </p:spTree>
     <p:extLst>
       <p:ext uri="{BB962C8B-B14F-4D97-AF65-F5344CB8AC3E}">
-        <p14:creationId xmlns:p14="http://schemas.microsoft.com/office/powerpoint/2010/main" val="1896587060"/>
+        <p14:creationId xmlns:p14="http://schemas.microsoft.com/office/powerpoint/2010/main" val="2879706003"/>
       </p:ext>
     </p:extLst>
   </p:cSld>
@@ -1228,7 +1228,7 @@
           <p:cNvPr id="2" name="标题 1">
             <a:extLst>
               <a:ext uri="{FF2B5EF4-FFF2-40B4-BE49-F238E27FC236}">
-                <a16:creationId xmlns:a16="http://schemas.microsoft.com/office/drawing/2014/main" id="{26330F64-F229-05E3-170D-693776C5C31B}"/>
+                <a16:creationId xmlns:a16="http://schemas.microsoft.com/office/drawing/2014/main" id="{04EF174A-4CAC-2EB9-B2FC-72CCC06A94AC}"/>
               </a:ext>
             </a:extLst>
           </p:cNvPr>
@@ -1256,7 +1256,7 @@
           <p:cNvPr id="3" name="内容占位符 2">
             <a:extLst>
               <a:ext uri="{FF2B5EF4-FFF2-40B4-BE49-F238E27FC236}">
-                <a16:creationId xmlns:a16="http://schemas.microsoft.com/office/drawing/2014/main" id="{071AD160-0D23-9DB7-09CD-7AB276F74AE2}"/>
+                <a16:creationId xmlns:a16="http://schemas.microsoft.com/office/drawing/2014/main" id="{63E16DC1-BF0D-A850-EB81-95543BD03971}"/>
               </a:ext>
             </a:extLst>
           </p:cNvPr>
@@ -1318,7 +1318,7 @@
           <p:cNvPr id="4" name="内容占位符 3">
             <a:extLst>
               <a:ext uri="{FF2B5EF4-FFF2-40B4-BE49-F238E27FC236}">
-                <a16:creationId xmlns:a16="http://schemas.microsoft.com/office/drawing/2014/main" id="{D685E161-21B0-6C89-7FB9-CD8A723B1DDF}"/>
+                <a16:creationId xmlns:a16="http://schemas.microsoft.com/office/drawing/2014/main" id="{FE993BBA-34A9-8492-EE89-694DCABF41B2}"/>
               </a:ext>
             </a:extLst>
           </p:cNvPr>
@@ -1380,7 +1380,7 @@
           <p:cNvPr id="5" name="日期占位符 4">
             <a:extLst>
               <a:ext uri="{FF2B5EF4-FFF2-40B4-BE49-F238E27FC236}">
-                <a16:creationId xmlns:a16="http://schemas.microsoft.com/office/drawing/2014/main" id="{D9EDD519-6013-DEF2-26C1-877D83B611DF}"/>
+                <a16:creationId xmlns:a16="http://schemas.microsoft.com/office/drawing/2014/main" id="{6B436D14-30AF-86F0-20A7-D5A6DA8FB571}"/>
               </a:ext>
             </a:extLst>
           </p:cNvPr>
@@ -1396,7 +1396,7 @@
           <a:bodyPr/>
           <a:lstStyle/>
           <a:p>
-            <a:fld id="{B9218CD0-669E-4EE0-9C3D-E5890B13C100}" type="datetimeFigureOut">
+            <a:fld id="{96154922-057B-4E55-A28A-D8C16EBA8A92}" type="datetimeFigureOut">
               <a:rPr lang="zh-CN" altLang="en-US" smtClean="0"/>
               <a:t>2024/3/10</a:t>
             </a:fld>
@@ -1409,7 +1409,7 @@
           <p:cNvPr id="6" name="页脚占位符 5">
             <a:extLst>
               <a:ext uri="{FF2B5EF4-FFF2-40B4-BE49-F238E27FC236}">
-                <a16:creationId xmlns:a16="http://schemas.microsoft.com/office/drawing/2014/main" id="{62E6180C-6B28-0060-096D-053E83E4B276}"/>
+                <a16:creationId xmlns:a16="http://schemas.microsoft.com/office/drawing/2014/main" id="{6612837F-9A97-E563-507B-695919198F69}"/>
               </a:ext>
             </a:extLst>
           </p:cNvPr>
@@ -1434,7 +1434,7 @@
           <p:cNvPr id="7" name="灯片编号占位符 6">
             <a:extLst>
               <a:ext uri="{FF2B5EF4-FFF2-40B4-BE49-F238E27FC236}">
-                <a16:creationId xmlns:a16="http://schemas.microsoft.com/office/drawing/2014/main" id="{53D9EC29-FCAC-6960-3AA7-DE5ABA6BE8EC}"/>
+                <a16:creationId xmlns:a16="http://schemas.microsoft.com/office/drawing/2014/main" id="{7BE27CB5-C3BB-7A4F-A8F8-B56E41260392}"/>
               </a:ext>
             </a:extLst>
           </p:cNvPr>
@@ -1450,7 +1450,7 @@
           <a:bodyPr/>
           <a:lstStyle/>
           <a:p>
-            <a:fld id="{43CFB904-6735-429B-9731-33B21B7E33A4}" type="slidenum">
+            <a:fld id="{8F2BEC50-2532-433A-ADB8-41BC40C11CDF}" type="slidenum">
               <a:rPr lang="zh-CN" altLang="en-US" smtClean="0"/>
               <a:t>‹#›</a:t>
             </a:fld>
@@ -1461,7 +1461,7 @@
     </p:spTree>
     <p:extLst>
       <p:ext uri="{BB962C8B-B14F-4D97-AF65-F5344CB8AC3E}">
-        <p14:creationId xmlns:p14="http://schemas.microsoft.com/office/powerpoint/2010/main" val="2431809298"/>
+        <p14:creationId xmlns:p14="http://schemas.microsoft.com/office/powerpoint/2010/main" val="1052384737"/>
       </p:ext>
     </p:extLst>
   </p:cSld>
@@ -1493,7 +1493,7 @@
           <p:cNvPr id="2" name="标题 1">
             <a:extLst>
               <a:ext uri="{FF2B5EF4-FFF2-40B4-BE49-F238E27FC236}">
-                <a16:creationId xmlns:a16="http://schemas.microsoft.com/office/drawing/2014/main" id="{934A74C9-E2E6-B484-8731-F66736326B9D}"/>
+                <a16:creationId xmlns:a16="http://schemas.microsoft.com/office/drawing/2014/main" id="{30FF37D7-022B-FDB9-236C-E9C96BC1378E}"/>
               </a:ext>
             </a:extLst>
           </p:cNvPr>
@@ -1526,7 +1526,7 @@
           <p:cNvPr id="3" name="文本占位符 2">
             <a:extLst>
               <a:ext uri="{FF2B5EF4-FFF2-40B4-BE49-F238E27FC236}">
-                <a16:creationId xmlns:a16="http://schemas.microsoft.com/office/drawing/2014/main" id="{2EEA8AF4-3A3A-C4F3-C9CF-45ABCF957913}"/>
+                <a16:creationId xmlns:a16="http://schemas.microsoft.com/office/drawing/2014/main" id="{7DFA4C48-9E83-36D8-6F62-747AD3BBBE14}"/>
               </a:ext>
             </a:extLst>
           </p:cNvPr>
@@ -1597,7 +1597,7 @@
           <p:cNvPr id="4" name="内容占位符 3">
             <a:extLst>
               <a:ext uri="{FF2B5EF4-FFF2-40B4-BE49-F238E27FC236}">
-                <a16:creationId xmlns:a16="http://schemas.microsoft.com/office/drawing/2014/main" id="{BAB82773-FC8E-FE3F-00FF-2B57832DFD88}"/>
+                <a16:creationId xmlns:a16="http://schemas.microsoft.com/office/drawing/2014/main" id="{75F02AE1-307B-FC40-4EC1-681C7EC60AC3}"/>
               </a:ext>
             </a:extLst>
           </p:cNvPr>
@@ -1659,7 +1659,7 @@
           <p:cNvPr id="5" name="文本占位符 4">
             <a:extLst>
               <a:ext uri="{FF2B5EF4-FFF2-40B4-BE49-F238E27FC236}">
-                <a16:creationId xmlns:a16="http://schemas.microsoft.com/office/drawing/2014/main" id="{995F5C75-DAEC-E005-5283-074AED28F86B}"/>
+                <a16:creationId xmlns:a16="http://schemas.microsoft.com/office/drawing/2014/main" id="{49833AB3-BFF4-4CDE-468B-B89E21329670}"/>
               </a:ext>
             </a:extLst>
           </p:cNvPr>
@@ -1730,7 +1730,7 @@
           <p:cNvPr id="6" name="内容占位符 5">
             <a:extLst>
               <a:ext uri="{FF2B5EF4-FFF2-40B4-BE49-F238E27FC236}">
-                <a16:creationId xmlns:a16="http://schemas.microsoft.com/office/drawing/2014/main" id="{51A8AB38-1684-16C2-AC12-536FF0F9F5BF}"/>
+                <a16:creationId xmlns:a16="http://schemas.microsoft.com/office/drawing/2014/main" id="{809732D4-8AC7-0736-472F-BADE18A2A027}"/>
               </a:ext>
             </a:extLst>
           </p:cNvPr>
@@ -1792,7 +1792,7 @@
           <p:cNvPr id="7" name="日期占位符 6">
             <a:extLst>
               <a:ext uri="{FF2B5EF4-FFF2-40B4-BE49-F238E27FC236}">
-                <a16:creationId xmlns:a16="http://schemas.microsoft.com/office/drawing/2014/main" id="{441DCA70-1D3F-3FDC-BBDE-73D0A80777B4}"/>
+                <a16:creationId xmlns:a16="http://schemas.microsoft.com/office/drawing/2014/main" id="{7C3B9B82-9620-CE1A-D7FE-E75E4EA91A4D}"/>
               </a:ext>
             </a:extLst>
           </p:cNvPr>
@@ -1808,7 +1808,7 @@
           <a:bodyPr/>
           <a:lstStyle/>
           <a:p>
-            <a:fld id="{B9218CD0-669E-4EE0-9C3D-E5890B13C100}" type="datetimeFigureOut">
+            <a:fld id="{96154922-057B-4E55-A28A-D8C16EBA8A92}" type="datetimeFigureOut">
               <a:rPr lang="zh-CN" altLang="en-US" smtClean="0"/>
               <a:t>2024/3/10</a:t>
             </a:fld>
@@ -1821,7 +1821,7 @@
           <p:cNvPr id="8" name="页脚占位符 7">
             <a:extLst>
               <a:ext uri="{FF2B5EF4-FFF2-40B4-BE49-F238E27FC236}">
-                <a16:creationId xmlns:a16="http://schemas.microsoft.com/office/drawing/2014/main" id="{744B37BE-CCFA-2377-3DD0-E17575EC3964}"/>
+                <a16:creationId xmlns:a16="http://schemas.microsoft.com/office/drawing/2014/main" id="{A68B36E8-3C97-1F08-0BBE-0ACAAABA7B00}"/>
               </a:ext>
             </a:extLst>
           </p:cNvPr>
@@ -1846,7 +1846,7 @@
           <p:cNvPr id="9" name="灯片编号占位符 8">
             <a:extLst>
               <a:ext uri="{FF2B5EF4-FFF2-40B4-BE49-F238E27FC236}">
-                <a16:creationId xmlns:a16="http://schemas.microsoft.com/office/drawing/2014/main" id="{39721C6C-9D46-81AE-BFB3-9343A3520AE0}"/>
+                <a16:creationId xmlns:a16="http://schemas.microsoft.com/office/drawing/2014/main" id="{C4C610AC-7C70-178A-925A-80AE4A3C52D6}"/>
               </a:ext>
             </a:extLst>
           </p:cNvPr>
@@ -1862,7 +1862,7 @@
           <a:bodyPr/>
           <a:lstStyle/>
           <a:p>
-            <a:fld id="{43CFB904-6735-429B-9731-33B21B7E33A4}" type="slidenum">
+            <a:fld id="{8F2BEC50-2532-433A-ADB8-41BC40C11CDF}" type="slidenum">
               <a:rPr lang="zh-CN" altLang="en-US" smtClean="0"/>
               <a:t>‹#›</a:t>
             </a:fld>
@@ -1873,7 +1873,7 @@
     </p:spTree>
     <p:extLst>
       <p:ext uri="{BB962C8B-B14F-4D97-AF65-F5344CB8AC3E}">
-        <p14:creationId xmlns:p14="http://schemas.microsoft.com/office/powerpoint/2010/main" val="891003203"/>
+        <p14:creationId xmlns:p14="http://schemas.microsoft.com/office/powerpoint/2010/main" val="3082337264"/>
       </p:ext>
     </p:extLst>
   </p:cSld>
@@ -1905,7 +1905,7 @@
           <p:cNvPr id="2" name="标题 1">
             <a:extLst>
               <a:ext uri="{FF2B5EF4-FFF2-40B4-BE49-F238E27FC236}">
-                <a16:creationId xmlns:a16="http://schemas.microsoft.com/office/drawing/2014/main" id="{CEF729EC-FBED-2E46-9736-6C9695C3C8C8}"/>
+                <a16:creationId xmlns:a16="http://schemas.microsoft.com/office/drawing/2014/main" id="{206A363A-210A-76F5-C365-BEFCB3691E89}"/>
               </a:ext>
             </a:extLst>
           </p:cNvPr>
@@ -1933,7 +1933,7 @@
           <p:cNvPr id="3" name="日期占位符 2">
             <a:extLst>
               <a:ext uri="{FF2B5EF4-FFF2-40B4-BE49-F238E27FC236}">
-                <a16:creationId xmlns:a16="http://schemas.microsoft.com/office/drawing/2014/main" id="{497B26A5-048D-045A-927C-88965233E3A4}"/>
+                <a16:creationId xmlns:a16="http://schemas.microsoft.com/office/drawing/2014/main" id="{149EBD27-9292-62D1-E686-10965493705F}"/>
               </a:ext>
             </a:extLst>
           </p:cNvPr>
@@ -1949,7 +1949,7 @@
           <a:bodyPr/>
           <a:lstStyle/>
           <a:p>
-            <a:fld id="{B9218CD0-669E-4EE0-9C3D-E5890B13C100}" type="datetimeFigureOut">
+            <a:fld id="{96154922-057B-4E55-A28A-D8C16EBA8A92}" type="datetimeFigureOut">
               <a:rPr lang="zh-CN" altLang="en-US" smtClean="0"/>
               <a:t>2024/3/10</a:t>
             </a:fld>
@@ -1962,7 +1962,7 @@
           <p:cNvPr id="4" name="页脚占位符 3">
             <a:extLst>
               <a:ext uri="{FF2B5EF4-FFF2-40B4-BE49-F238E27FC236}">
-                <a16:creationId xmlns:a16="http://schemas.microsoft.com/office/drawing/2014/main" id="{9502BD50-2993-153F-9A77-8D09141B5AF3}"/>
+                <a16:creationId xmlns:a16="http://schemas.microsoft.com/office/drawing/2014/main" id="{79B23872-94F1-655E-C71C-4546F6F005DF}"/>
               </a:ext>
             </a:extLst>
           </p:cNvPr>
@@ -1987,7 +1987,7 @@
           <p:cNvPr id="5" name="灯片编号占位符 4">
             <a:extLst>
               <a:ext uri="{FF2B5EF4-FFF2-40B4-BE49-F238E27FC236}">
-                <a16:creationId xmlns:a16="http://schemas.microsoft.com/office/drawing/2014/main" id="{8491474F-1830-26CC-A9B6-30F96E92E7C6}"/>
+                <a16:creationId xmlns:a16="http://schemas.microsoft.com/office/drawing/2014/main" id="{1F8A9746-A074-9C6F-7152-1EEEB2C5381C}"/>
               </a:ext>
             </a:extLst>
           </p:cNvPr>
@@ -2003,7 +2003,7 @@
           <a:bodyPr/>
           <a:lstStyle/>
           <a:p>
-            <a:fld id="{43CFB904-6735-429B-9731-33B21B7E33A4}" type="slidenum">
+            <a:fld id="{8F2BEC50-2532-433A-ADB8-41BC40C11CDF}" type="slidenum">
               <a:rPr lang="zh-CN" altLang="en-US" smtClean="0"/>
               <a:t>‹#›</a:t>
             </a:fld>
@@ -2014,7 +2014,7 @@
     </p:spTree>
     <p:extLst>
       <p:ext uri="{BB962C8B-B14F-4D97-AF65-F5344CB8AC3E}">
-        <p14:creationId xmlns:p14="http://schemas.microsoft.com/office/powerpoint/2010/main" val="3166833009"/>
+        <p14:creationId xmlns:p14="http://schemas.microsoft.com/office/powerpoint/2010/main" val="2169129683"/>
       </p:ext>
     </p:extLst>
   </p:cSld>
@@ -2046,7 +2046,7 @@
           <p:cNvPr id="2" name="日期占位符 1">
             <a:extLst>
               <a:ext uri="{FF2B5EF4-FFF2-40B4-BE49-F238E27FC236}">
-                <a16:creationId xmlns:a16="http://schemas.microsoft.com/office/drawing/2014/main" id="{A5325AA8-E4C2-9DA8-A0ED-4B84E0E2E348}"/>
+                <a16:creationId xmlns:a16="http://schemas.microsoft.com/office/drawing/2014/main" id="{408F228C-7C76-99B2-B95E-34F17FB59286}"/>
               </a:ext>
             </a:extLst>
           </p:cNvPr>
@@ -2062,7 +2062,7 @@
           <a:bodyPr/>
           <a:lstStyle/>
           <a:p>
-            <a:fld id="{B9218CD0-669E-4EE0-9C3D-E5890B13C100}" type="datetimeFigureOut">
+            <a:fld id="{96154922-057B-4E55-A28A-D8C16EBA8A92}" type="datetimeFigureOut">
               <a:rPr lang="zh-CN" altLang="en-US" smtClean="0"/>
               <a:t>2024/3/10</a:t>
             </a:fld>
@@ -2075,7 +2075,7 @@
           <p:cNvPr id="3" name="页脚占位符 2">
             <a:extLst>
               <a:ext uri="{FF2B5EF4-FFF2-40B4-BE49-F238E27FC236}">
-                <a16:creationId xmlns:a16="http://schemas.microsoft.com/office/drawing/2014/main" id="{6A39C3A2-01DE-6038-8078-ADB993418A80}"/>
+                <a16:creationId xmlns:a16="http://schemas.microsoft.com/office/drawing/2014/main" id="{C60A7E23-DFC5-61A2-114B-68EF3441068A}"/>
               </a:ext>
             </a:extLst>
           </p:cNvPr>
@@ -2100,7 +2100,7 @@
           <p:cNvPr id="4" name="灯片编号占位符 3">
             <a:extLst>
               <a:ext uri="{FF2B5EF4-FFF2-40B4-BE49-F238E27FC236}">
-                <a16:creationId xmlns:a16="http://schemas.microsoft.com/office/drawing/2014/main" id="{8FEEE0CF-3657-8DA4-9B86-0ECF00753D48}"/>
+                <a16:creationId xmlns:a16="http://schemas.microsoft.com/office/drawing/2014/main" id="{093E3116-C8F9-2E34-5926-CEE81BFA7FF9}"/>
               </a:ext>
             </a:extLst>
           </p:cNvPr>
@@ -2116,7 +2116,7 @@
           <a:bodyPr/>
           <a:lstStyle/>
           <a:p>
-            <a:fld id="{43CFB904-6735-429B-9731-33B21B7E33A4}" type="slidenum">
+            <a:fld id="{8F2BEC50-2532-433A-ADB8-41BC40C11CDF}" type="slidenum">
               <a:rPr lang="zh-CN" altLang="en-US" smtClean="0"/>
               <a:t>‹#›</a:t>
             </a:fld>
@@ -2127,7 +2127,7 @@
     </p:spTree>
     <p:extLst>
       <p:ext uri="{BB962C8B-B14F-4D97-AF65-F5344CB8AC3E}">
-        <p14:creationId xmlns:p14="http://schemas.microsoft.com/office/powerpoint/2010/main" val="522028494"/>
+        <p14:creationId xmlns:p14="http://schemas.microsoft.com/office/powerpoint/2010/main" val="1471729042"/>
       </p:ext>
     </p:extLst>
   </p:cSld>
@@ -2159,7 +2159,7 @@
           <p:cNvPr id="2" name="标题 1">
             <a:extLst>
               <a:ext uri="{FF2B5EF4-FFF2-40B4-BE49-F238E27FC236}">
-                <a16:creationId xmlns:a16="http://schemas.microsoft.com/office/drawing/2014/main" id="{A4280A4E-3996-4CE5-2C93-7252EFAAEFE2}"/>
+                <a16:creationId xmlns:a16="http://schemas.microsoft.com/office/drawing/2014/main" id="{0FFB8A77-1224-DF43-1D14-E5212F19A56D}"/>
               </a:ext>
             </a:extLst>
           </p:cNvPr>
@@ -2196,7 +2196,7 @@
           <p:cNvPr id="3" name="内容占位符 2">
             <a:extLst>
               <a:ext uri="{FF2B5EF4-FFF2-40B4-BE49-F238E27FC236}">
-                <a16:creationId xmlns:a16="http://schemas.microsoft.com/office/drawing/2014/main" id="{7A1393DA-037C-D125-F795-71055CE1C6AD}"/>
+                <a16:creationId xmlns:a16="http://schemas.microsoft.com/office/drawing/2014/main" id="{99E3D814-FCA8-5680-383A-70895886A87D}"/>
               </a:ext>
             </a:extLst>
           </p:cNvPr>
@@ -2286,7 +2286,7 @@
           <p:cNvPr id="4" name="文本占位符 3">
             <a:extLst>
               <a:ext uri="{FF2B5EF4-FFF2-40B4-BE49-F238E27FC236}">
-                <a16:creationId xmlns:a16="http://schemas.microsoft.com/office/drawing/2014/main" id="{944C827D-5893-61F7-545E-D0E02D935540}"/>
+                <a16:creationId xmlns:a16="http://schemas.microsoft.com/office/drawing/2014/main" id="{81237824-49E5-2967-911B-33EAAB9BA479}"/>
               </a:ext>
             </a:extLst>
           </p:cNvPr>
@@ -2357,7 +2357,7 @@
           <p:cNvPr id="5" name="日期占位符 4">
             <a:extLst>
               <a:ext uri="{FF2B5EF4-FFF2-40B4-BE49-F238E27FC236}">
-                <a16:creationId xmlns:a16="http://schemas.microsoft.com/office/drawing/2014/main" id="{414BA54D-95E2-36E1-2EEA-7CBF7E9790BD}"/>
+                <a16:creationId xmlns:a16="http://schemas.microsoft.com/office/drawing/2014/main" id="{A230C64A-E3AD-B025-B200-E856B84E808D}"/>
               </a:ext>
             </a:extLst>
           </p:cNvPr>
@@ -2373,7 +2373,7 @@
           <a:bodyPr/>
           <a:lstStyle/>
           <a:p>
-            <a:fld id="{B9218CD0-669E-4EE0-9C3D-E5890B13C100}" type="datetimeFigureOut">
+            <a:fld id="{96154922-057B-4E55-A28A-D8C16EBA8A92}" type="datetimeFigureOut">
               <a:rPr lang="zh-CN" altLang="en-US" smtClean="0"/>
               <a:t>2024/3/10</a:t>
             </a:fld>
@@ -2386,7 +2386,7 @@
           <p:cNvPr id="6" name="页脚占位符 5">
             <a:extLst>
               <a:ext uri="{FF2B5EF4-FFF2-40B4-BE49-F238E27FC236}">
-                <a16:creationId xmlns:a16="http://schemas.microsoft.com/office/drawing/2014/main" id="{C05FDD35-92BE-28AB-7C17-21A6A6236FFB}"/>
+                <a16:creationId xmlns:a16="http://schemas.microsoft.com/office/drawing/2014/main" id="{B8F4371C-AA1E-9791-8CBA-5C2B91E6E2F8}"/>
               </a:ext>
             </a:extLst>
           </p:cNvPr>
@@ -2411,7 +2411,7 @@
           <p:cNvPr id="7" name="灯片编号占位符 6">
             <a:extLst>
               <a:ext uri="{FF2B5EF4-FFF2-40B4-BE49-F238E27FC236}">
-                <a16:creationId xmlns:a16="http://schemas.microsoft.com/office/drawing/2014/main" id="{C650F17C-9A82-6F39-B343-9A1D453FE114}"/>
+                <a16:creationId xmlns:a16="http://schemas.microsoft.com/office/drawing/2014/main" id="{72EC6B56-D281-B660-6A23-058284166ACB}"/>
               </a:ext>
             </a:extLst>
           </p:cNvPr>
@@ -2427,7 +2427,7 @@
           <a:bodyPr/>
           <a:lstStyle/>
           <a:p>
-            <a:fld id="{43CFB904-6735-429B-9731-33B21B7E33A4}" type="slidenum">
+            <a:fld id="{8F2BEC50-2532-433A-ADB8-41BC40C11CDF}" type="slidenum">
               <a:rPr lang="zh-CN" altLang="en-US" smtClean="0"/>
               <a:t>‹#›</a:t>
             </a:fld>
@@ -2438,7 +2438,7 @@
     </p:spTree>
     <p:extLst>
       <p:ext uri="{BB962C8B-B14F-4D97-AF65-F5344CB8AC3E}">
-        <p14:creationId xmlns:p14="http://schemas.microsoft.com/office/powerpoint/2010/main" val="3152864854"/>
+        <p14:creationId xmlns:p14="http://schemas.microsoft.com/office/powerpoint/2010/main" val="4268895353"/>
       </p:ext>
     </p:extLst>
   </p:cSld>
@@ -2470,7 +2470,7 @@
           <p:cNvPr id="2" name="标题 1">
             <a:extLst>
               <a:ext uri="{FF2B5EF4-FFF2-40B4-BE49-F238E27FC236}">
-                <a16:creationId xmlns:a16="http://schemas.microsoft.com/office/drawing/2014/main" id="{6A7DDFC8-64F2-B244-EB32-97024C0D092A}"/>
+                <a16:creationId xmlns:a16="http://schemas.microsoft.com/office/drawing/2014/main" id="{412382F6-354B-02A3-E2D8-1CCEC041FAE5}"/>
               </a:ext>
             </a:extLst>
           </p:cNvPr>
@@ -2507,7 +2507,7 @@
           <p:cNvPr id="3" name="图片占位符 2">
             <a:extLst>
               <a:ext uri="{FF2B5EF4-FFF2-40B4-BE49-F238E27FC236}">
-                <a16:creationId xmlns:a16="http://schemas.microsoft.com/office/drawing/2014/main" id="{064B3DD0-C6D3-D431-81D6-ABC7D255DED6}"/>
+                <a16:creationId xmlns:a16="http://schemas.microsoft.com/office/drawing/2014/main" id="{3BE0336C-DB1B-6EFE-4A80-C16AC171E403}"/>
               </a:ext>
             </a:extLst>
           </p:cNvPr>
@@ -2574,7 +2574,7 @@
           <p:cNvPr id="4" name="文本占位符 3">
             <a:extLst>
               <a:ext uri="{FF2B5EF4-FFF2-40B4-BE49-F238E27FC236}">
-                <a16:creationId xmlns:a16="http://schemas.microsoft.com/office/drawing/2014/main" id="{FBD756A3-8DF9-FE91-6F8F-97C7511BE607}"/>
+                <a16:creationId xmlns:a16="http://schemas.microsoft.com/office/drawing/2014/main" id="{8D68CD4F-2D1C-5869-AB89-26EBB596B7E7}"/>
               </a:ext>
             </a:extLst>
           </p:cNvPr>
@@ -2645,7 +2645,7 @@
           <p:cNvPr id="5" name="日期占位符 4">
             <a:extLst>
               <a:ext uri="{FF2B5EF4-FFF2-40B4-BE49-F238E27FC236}">
-                <a16:creationId xmlns:a16="http://schemas.microsoft.com/office/drawing/2014/main" id="{7F78CEC9-AE01-B787-B2F2-879258454B0B}"/>
+                <a16:creationId xmlns:a16="http://schemas.microsoft.com/office/drawing/2014/main" id="{A8FEA770-2CBD-9C10-05DC-A2D6A36EB4C8}"/>
               </a:ext>
             </a:extLst>
           </p:cNvPr>
@@ -2661,7 +2661,7 @@
           <a:bodyPr/>
           <a:lstStyle/>
           <a:p>
-            <a:fld id="{B9218CD0-669E-4EE0-9C3D-E5890B13C100}" type="datetimeFigureOut">
+            <a:fld id="{96154922-057B-4E55-A28A-D8C16EBA8A92}" type="datetimeFigureOut">
               <a:rPr lang="zh-CN" altLang="en-US" smtClean="0"/>
               <a:t>2024/3/10</a:t>
             </a:fld>
@@ -2674,7 +2674,7 @@
           <p:cNvPr id="6" name="页脚占位符 5">
             <a:extLst>
               <a:ext uri="{FF2B5EF4-FFF2-40B4-BE49-F238E27FC236}">
-                <a16:creationId xmlns:a16="http://schemas.microsoft.com/office/drawing/2014/main" id="{F40DE8C2-6255-AE93-8C56-4221ACDAFEC7}"/>
+                <a16:creationId xmlns:a16="http://schemas.microsoft.com/office/drawing/2014/main" id="{9556643D-87C1-6941-7122-719C88BF924D}"/>
               </a:ext>
             </a:extLst>
           </p:cNvPr>
@@ -2699,7 +2699,7 @@
           <p:cNvPr id="7" name="灯片编号占位符 6">
             <a:extLst>
               <a:ext uri="{FF2B5EF4-FFF2-40B4-BE49-F238E27FC236}">
-                <a16:creationId xmlns:a16="http://schemas.microsoft.com/office/drawing/2014/main" id="{A46EA1B1-EF19-447E-C833-55F0DB19E945}"/>
+                <a16:creationId xmlns:a16="http://schemas.microsoft.com/office/drawing/2014/main" id="{6D7105B9-7B7F-01CA-7C9F-D8D2EA7A3837}"/>
               </a:ext>
             </a:extLst>
           </p:cNvPr>
@@ -2715,7 +2715,7 @@
           <a:bodyPr/>
           <a:lstStyle/>
           <a:p>
-            <a:fld id="{43CFB904-6735-429B-9731-33B21B7E33A4}" type="slidenum">
+            <a:fld id="{8F2BEC50-2532-433A-ADB8-41BC40C11CDF}" type="slidenum">
               <a:rPr lang="zh-CN" altLang="en-US" smtClean="0"/>
               <a:t>‹#›</a:t>
             </a:fld>
@@ -2726,7 +2726,7 @@
     </p:spTree>
     <p:extLst>
       <p:ext uri="{BB962C8B-B14F-4D97-AF65-F5344CB8AC3E}">
-        <p14:creationId xmlns:p14="http://schemas.microsoft.com/office/powerpoint/2010/main" val="3069035397"/>
+        <p14:creationId xmlns:p14="http://schemas.microsoft.com/office/powerpoint/2010/main" val="3532187669"/>
       </p:ext>
     </p:extLst>
   </p:cSld>
@@ -2763,7 +2763,7 @@
           <p:cNvPr id="2" name="标题占位符 1">
             <a:extLst>
               <a:ext uri="{FF2B5EF4-FFF2-40B4-BE49-F238E27FC236}">
-                <a16:creationId xmlns:a16="http://schemas.microsoft.com/office/drawing/2014/main" id="{13280203-54F5-6B79-7003-F5D84A5D8C60}"/>
+                <a16:creationId xmlns:a16="http://schemas.microsoft.com/office/drawing/2014/main" id="{C5DAAABA-C894-DBCD-484A-964D94F4F899}"/>
               </a:ext>
             </a:extLst>
           </p:cNvPr>
@@ -2801,7 +2801,7 @@
           <p:cNvPr id="3" name="文本占位符 2">
             <a:extLst>
               <a:ext uri="{FF2B5EF4-FFF2-40B4-BE49-F238E27FC236}">
-                <a16:creationId xmlns:a16="http://schemas.microsoft.com/office/drawing/2014/main" id="{0DA53B62-2AB8-DCFA-CD9D-DB347100A362}"/>
+                <a16:creationId xmlns:a16="http://schemas.microsoft.com/office/drawing/2014/main" id="{BC7A0B2B-4FF2-8FCA-A8B7-78703A7D1DF5}"/>
               </a:ext>
             </a:extLst>
           </p:cNvPr>
@@ -2868,7 +2868,7 @@
           <p:cNvPr id="4" name="日期占位符 3">
             <a:extLst>
               <a:ext uri="{FF2B5EF4-FFF2-40B4-BE49-F238E27FC236}">
-                <a16:creationId xmlns:a16="http://schemas.microsoft.com/office/drawing/2014/main" id="{BEBCE3D2-4FBE-2524-9600-7294E8304011}"/>
+                <a16:creationId xmlns:a16="http://schemas.microsoft.com/office/drawing/2014/main" id="{6A047FE3-BF75-5D96-630A-0BA156C055DB}"/>
               </a:ext>
             </a:extLst>
           </p:cNvPr>
@@ -2902,7 +2902,7 @@
             </a:lvl1pPr>
           </a:lstStyle>
           <a:p>
-            <a:fld id="{B9218CD0-669E-4EE0-9C3D-E5890B13C100}" type="datetimeFigureOut">
+            <a:fld id="{96154922-057B-4E55-A28A-D8C16EBA8A92}" type="datetimeFigureOut">
               <a:rPr lang="zh-CN" altLang="en-US" smtClean="0"/>
               <a:t>2024/3/10</a:t>
             </a:fld>
@@ -2915,7 +2915,7 @@
           <p:cNvPr id="5" name="页脚占位符 4">
             <a:extLst>
               <a:ext uri="{FF2B5EF4-FFF2-40B4-BE49-F238E27FC236}">
-                <a16:creationId xmlns:a16="http://schemas.microsoft.com/office/drawing/2014/main" id="{1203EBFE-5EB2-0F25-5568-C511DA486324}"/>
+                <a16:creationId xmlns:a16="http://schemas.microsoft.com/office/drawing/2014/main" id="{C9A48193-BD53-DE85-CB36-B23B057165F9}"/>
               </a:ext>
             </a:extLst>
           </p:cNvPr>
@@ -2958,7 +2958,7 @@
           <p:cNvPr id="6" name="灯片编号占位符 5">
             <a:extLst>
               <a:ext uri="{FF2B5EF4-FFF2-40B4-BE49-F238E27FC236}">
-                <a16:creationId xmlns:a16="http://schemas.microsoft.com/office/drawing/2014/main" id="{EAA31AF2-7012-BD6F-00C9-B53992180F2E}"/>
+                <a16:creationId xmlns:a16="http://schemas.microsoft.com/office/drawing/2014/main" id="{2D6FA7B4-5FE9-0158-2426-49499235E58E}"/>
               </a:ext>
             </a:extLst>
           </p:cNvPr>
@@ -2992,7 +2992,7 @@
             </a:lvl1pPr>
           </a:lstStyle>
           <a:p>
-            <a:fld id="{43CFB904-6735-429B-9731-33B21B7E33A4}" type="slidenum">
+            <a:fld id="{8F2BEC50-2532-433A-ADB8-41BC40C11CDF}" type="slidenum">
               <a:rPr lang="zh-CN" altLang="en-US" smtClean="0"/>
               <a:t>‹#›</a:t>
             </a:fld>
@@ -3003,7 +3003,7 @@
     </p:spTree>
     <p:extLst>
       <p:ext uri="{BB962C8B-B14F-4D97-AF65-F5344CB8AC3E}">
-        <p14:creationId xmlns:p14="http://schemas.microsoft.com/office/powerpoint/2010/main" val="3457395763"/>
+        <p14:creationId xmlns:p14="http://schemas.microsoft.com/office/powerpoint/2010/main" val="388388278"/>
       </p:ext>
     </p:extLst>
   </p:cSld>
